--- a/10|2-6/2023-10-3/kanji-reading.pptx
+++ b/10|2-6/2023-10-3/kanji-reading.pptx
@@ -1944,6 +1944,42 @@
         </p:nvSpPr>
         <p:spPr>
           <a:xfrm>
+            <a:off x="0" y="548640"/>
+            <a:ext cx="9144000" cy="1828800"/>
+          </a:xfrm>
+          <a:prstGeom prst="rect">
+            <a:avLst/>
+          </a:prstGeom>
+          <a:noFill/>
+          <a:ln/>
+        </p:spPr>
+        <p:txBody>
+          <a:bodyPr wrap="square" rtlCol="0" anchor="ctr"/>
+          <a:lstStyle/>
+          <a:p>
+            <a:pPr algn="ctr" indent="0" marL="0">
+              <a:buNone/>
+            </a:pPr>
+            <a:r>
+              <a:rPr lang="en-US" sz="4800" dirty="0">
+                <a:solidFill>
+                  <a:srgbClr val="000000"/>
+                </a:solidFill>
+              </a:rPr>
+              <a:t>豊か</a:t>
+            </a:r>
+            <a:endParaRPr lang="en-US" sz="4800" dirty="0"/>
+          </a:p>
+        </p:txBody>
+      </p:sp>
+      <p:sp>
+        <p:nvSpPr>
+          <p:cNvPr id="3" name="Text 1"/>
+          <p:cNvSpPr/>
+          <p:nvPr/>
+        </p:nvSpPr>
+        <p:spPr>
+          <a:xfrm>
             <a:off x="0" y="914400"/>
             <a:ext cx="9144000" cy="1828800"/>
           </a:xfrm>
@@ -1960,35 +1996,33 @@
             <a:pPr algn="ctr" indent="0" marL="0">
               <a:buNone/>
             </a:pPr>
-            <a:r>
-              <a:rPr lang="en-US" sz="4800" dirty="0">
-                <a:solidFill>
-                  <a:srgbClr val="000000"/>
-                </a:solidFill>
-              </a:rPr>
-              <a:t>豊か</a:t>
-            </a:r>
-            <a:endParaRPr lang="en-US" sz="4800" dirty="0"/>
-          </a:p>
-          <a:p>
-            <a:pPr algn="ctr" indent="0" marL="0">
-              <a:buNone/>
-            </a:pPr>
-            <a:r>
-              <a:rPr lang="en-US" sz="4800" dirty="0">
-                <a:solidFill>
-                  <a:srgbClr val="000000"/>
+            <a:endParaRPr lang="en-US" sz="3600" dirty="0"/>
+          </a:p>
+          <a:p>
+            <a:pPr algn="ctr" indent="0" marL="0">
+              <a:buNone/>
+            </a:pPr>
+            <a:endParaRPr lang="en-US" sz="3600" dirty="0"/>
+          </a:p>
+          <a:p>
+            <a:pPr algn="ctr" indent="0" marL="0">
+              <a:buNone/>
+            </a:pPr>
+            <a:r>
+              <a:rPr lang="en-US" sz="3600" dirty="0">
+                <a:solidFill>
+                  <a:srgbClr val="404040"/>
                 </a:solidFill>
               </a:rPr>
               <a:t>ゆたか</a:t>
             </a:r>
-            <a:endParaRPr lang="en-US" sz="4800" dirty="0"/>
-          </a:p>
-        </p:txBody>
-      </p:sp>
-      <p:sp>
-        <p:nvSpPr>
-          <p:cNvPr id="3" name="Text 1"/>
+            <a:endParaRPr lang="en-US" sz="3600" dirty="0"/>
+          </a:p>
+        </p:txBody>
+      </p:sp>
+      <p:sp>
+        <p:nvSpPr>
+          <p:cNvPr id="4" name="Text 2"/>
           <p:cNvSpPr/>
           <p:nvPr/>
         </p:nvSpPr>
@@ -2013,7 +2047,7 @@
             <a:r>
               <a:rPr lang="en-US" sz="3600" dirty="0">
                 <a:solidFill>
-                  <a:srgbClr val="000000"/>
+                  <a:srgbClr val="808080"/>
                 </a:solidFill>
               </a:rPr>
               <a:t>abundant, plentiful, rich, ample | rich, wealthy, affluent, well-off | open (mind), relaxed, easy | plump (e.g. breasts),...</a:t>
@@ -2024,32 +2058,32 @@
       </p:sp>
       <p:sp>
         <p:nvSpPr>
-          <p:cNvPr id="4" name="Text 2"/>
-          <p:cNvSpPr/>
-          <p:nvPr/>
-        </p:nvSpPr>
-        <p:spPr>
-          <a:xfrm>
-            <a:off x="0" y="4572000"/>
-            <a:ext cx="7315200" cy="1828800"/>
-          </a:xfrm>
-          <a:prstGeom prst="rect">
-            <a:avLst/>
-          </a:prstGeom>
-          <a:noFill/>
-          <a:ln/>
-        </p:spPr>
-        <p:txBody>
-          <a:bodyPr wrap="square" rtlCol="0" anchor="ctr"/>
-          <a:lstStyle/>
-          <a:p>
-            <a:pPr algn="l" indent="0" marL="0">
+          <p:cNvPr id="5" name="Text 3"/>
+          <p:cNvSpPr/>
+          <p:nvPr/>
+        </p:nvSpPr>
+        <p:spPr>
+          <a:xfrm>
+            <a:off x="0" y="3657600"/>
+            <a:ext cx="8686800" cy="1828800"/>
+          </a:xfrm>
+          <a:prstGeom prst="rect">
+            <a:avLst/>
+          </a:prstGeom>
+          <a:noFill/>
+          <a:ln/>
+        </p:spPr>
+        <p:txBody>
+          <a:bodyPr wrap="square" rtlCol="0" anchor="ctr"/>
+          <a:lstStyle/>
+          <a:p>
+            <a:pPr algn="r" indent="0" marL="0">
               <a:buNone/>
             </a:pPr>
             <a:r>
               <a:rPr lang="en-US" sz="2400" dirty="0">
                 <a:solidFill>
-                  <a:srgbClr val="000000"/>
+                  <a:srgbClr val="808080"/>
                 </a:solidFill>
               </a:rPr>
               <a:t>63-64</a:t>
@@ -2091,6 +2125,42 @@
         </p:nvSpPr>
         <p:spPr>
           <a:xfrm>
+            <a:off x="0" y="548640"/>
+            <a:ext cx="9144000" cy="1828800"/>
+          </a:xfrm>
+          <a:prstGeom prst="rect">
+            <a:avLst/>
+          </a:prstGeom>
+          <a:noFill/>
+          <a:ln/>
+        </p:spPr>
+        <p:txBody>
+          <a:bodyPr wrap="square" rtlCol="0" anchor="ctr"/>
+          <a:lstStyle/>
+          <a:p>
+            <a:pPr algn="ctr" indent="0" marL="0">
+              <a:buNone/>
+            </a:pPr>
+            <a:r>
+              <a:rPr lang="en-US" sz="4800" dirty="0">
+                <a:solidFill>
+                  <a:srgbClr val="000000"/>
+                </a:solidFill>
+              </a:rPr>
+              <a:t>与える</a:t>
+            </a:r>
+            <a:endParaRPr lang="en-US" sz="4800" dirty="0"/>
+          </a:p>
+        </p:txBody>
+      </p:sp>
+      <p:sp>
+        <p:nvSpPr>
+          <p:cNvPr id="3" name="Text 1"/>
+          <p:cNvSpPr/>
+          <p:nvPr/>
+        </p:nvSpPr>
+        <p:spPr>
+          <a:xfrm>
             <a:off x="0" y="914400"/>
             <a:ext cx="9144000" cy="1828800"/>
           </a:xfrm>
@@ -2107,35 +2177,33 @@
             <a:pPr algn="ctr" indent="0" marL="0">
               <a:buNone/>
             </a:pPr>
-            <a:r>
-              <a:rPr lang="en-US" sz="4800" dirty="0">
-                <a:solidFill>
-                  <a:srgbClr val="000000"/>
-                </a:solidFill>
-              </a:rPr>
-              <a:t>与える</a:t>
-            </a:r>
-            <a:endParaRPr lang="en-US" sz="4800" dirty="0"/>
-          </a:p>
-          <a:p>
-            <a:pPr algn="ctr" indent="0" marL="0">
-              <a:buNone/>
-            </a:pPr>
-            <a:r>
-              <a:rPr lang="en-US" sz="4800" dirty="0">
-                <a:solidFill>
-                  <a:srgbClr val="000000"/>
+            <a:endParaRPr lang="en-US" sz="3600" dirty="0"/>
+          </a:p>
+          <a:p>
+            <a:pPr algn="ctr" indent="0" marL="0">
+              <a:buNone/>
+            </a:pPr>
+            <a:endParaRPr lang="en-US" sz="3600" dirty="0"/>
+          </a:p>
+          <a:p>
+            <a:pPr algn="ctr" indent="0" marL="0">
+              <a:buNone/>
+            </a:pPr>
+            <a:r>
+              <a:rPr lang="en-US" sz="3600" dirty="0">
+                <a:solidFill>
+                  <a:srgbClr val="404040"/>
                 </a:solidFill>
               </a:rPr>
               <a:t>あたえる</a:t>
             </a:r>
-            <a:endParaRPr lang="en-US" sz="4800" dirty="0"/>
-          </a:p>
-        </p:txBody>
-      </p:sp>
-      <p:sp>
-        <p:nvSpPr>
-          <p:cNvPr id="3" name="Text 1"/>
+            <a:endParaRPr lang="en-US" sz="3600" dirty="0"/>
+          </a:p>
+        </p:txBody>
+      </p:sp>
+      <p:sp>
+        <p:nvSpPr>
+          <p:cNvPr id="4" name="Text 2"/>
           <p:cNvSpPr/>
           <p:nvPr/>
         </p:nvSpPr>
@@ -2160,7 +2228,7 @@
             <a:r>
               <a:rPr lang="en-US" sz="3600" dirty="0">
                 <a:solidFill>
-                  <a:srgbClr val="000000"/>
+                  <a:srgbClr val="808080"/>
                 </a:solidFill>
               </a:rPr>
               <a:t>to give (esp. to someone of lower status), to bestow, to grant, to confer, to present, to award | to provide, to afford, ...</a:t>
@@ -2171,32 +2239,32 @@
       </p:sp>
       <p:sp>
         <p:nvSpPr>
-          <p:cNvPr id="4" name="Text 2"/>
-          <p:cNvSpPr/>
-          <p:nvPr/>
-        </p:nvSpPr>
-        <p:spPr>
-          <a:xfrm>
-            <a:off x="0" y="4572000"/>
-            <a:ext cx="7315200" cy="1828800"/>
-          </a:xfrm>
-          <a:prstGeom prst="rect">
-            <a:avLst/>
-          </a:prstGeom>
-          <a:noFill/>
-          <a:ln/>
-        </p:spPr>
-        <p:txBody>
-          <a:bodyPr wrap="square" rtlCol="0" anchor="ctr"/>
-          <a:lstStyle/>
-          <a:p>
-            <a:pPr algn="l" indent="0" marL="0">
+          <p:cNvPr id="5" name="Text 3"/>
+          <p:cNvSpPr/>
+          <p:nvPr/>
+        </p:nvSpPr>
+        <p:spPr>
+          <a:xfrm>
+            <a:off x="0" y="3657600"/>
+            <a:ext cx="8686800" cy="1828800"/>
+          </a:xfrm>
+          <a:prstGeom prst="rect">
+            <a:avLst/>
+          </a:prstGeom>
+          <a:noFill/>
+          <a:ln/>
+        </p:spPr>
+        <p:txBody>
+          <a:bodyPr wrap="square" rtlCol="0" anchor="ctr"/>
+          <a:lstStyle/>
+          <a:p>
+            <a:pPr algn="r" indent="0" marL="0">
               <a:buNone/>
             </a:pPr>
             <a:r>
               <a:rPr lang="en-US" sz="2400" dirty="0">
                 <a:solidFill>
-                  <a:srgbClr val="000000"/>
+                  <a:srgbClr val="808080"/>
                 </a:solidFill>
               </a:rPr>
               <a:t>63-64</a:t>
@@ -2238,6 +2306,42 @@
         </p:nvSpPr>
         <p:spPr>
           <a:xfrm>
+            <a:off x="0" y="548640"/>
+            <a:ext cx="9144000" cy="1828800"/>
+          </a:xfrm>
+          <a:prstGeom prst="rect">
+            <a:avLst/>
+          </a:prstGeom>
+          <a:noFill/>
+          <a:ln/>
+        </p:spPr>
+        <p:txBody>
+          <a:bodyPr wrap="square" rtlCol="0" anchor="ctr"/>
+          <a:lstStyle/>
+          <a:p>
+            <a:pPr algn="ctr" indent="0" marL="0">
+              <a:buNone/>
+            </a:pPr>
+            <a:r>
+              <a:rPr lang="en-US" sz="4800" dirty="0">
+                <a:solidFill>
+                  <a:srgbClr val="000000"/>
+                </a:solidFill>
+              </a:rPr>
+              <a:t>貸与</a:t>
+            </a:r>
+            <a:endParaRPr lang="en-US" sz="4800" dirty="0"/>
+          </a:p>
+        </p:txBody>
+      </p:sp>
+      <p:sp>
+        <p:nvSpPr>
+          <p:cNvPr id="3" name="Text 1"/>
+          <p:cNvSpPr/>
+          <p:nvPr/>
+        </p:nvSpPr>
+        <p:spPr>
+          <a:xfrm>
             <a:off x="0" y="914400"/>
             <a:ext cx="9144000" cy="1828800"/>
           </a:xfrm>
@@ -2254,35 +2358,33 @@
             <a:pPr algn="ctr" indent="0" marL="0">
               <a:buNone/>
             </a:pPr>
-            <a:r>
-              <a:rPr lang="en-US" sz="4800" dirty="0">
-                <a:solidFill>
-                  <a:srgbClr val="000000"/>
-                </a:solidFill>
-              </a:rPr>
-              <a:t>貸与</a:t>
-            </a:r>
-            <a:endParaRPr lang="en-US" sz="4800" dirty="0"/>
-          </a:p>
-          <a:p>
-            <a:pPr algn="ctr" indent="0" marL="0">
-              <a:buNone/>
-            </a:pPr>
-            <a:r>
-              <a:rPr lang="en-US" sz="4800" dirty="0">
-                <a:solidFill>
-                  <a:srgbClr val="000000"/>
+            <a:endParaRPr lang="en-US" sz="3600" dirty="0"/>
+          </a:p>
+          <a:p>
+            <a:pPr algn="ctr" indent="0" marL="0">
+              <a:buNone/>
+            </a:pPr>
+            <a:endParaRPr lang="en-US" sz="3600" dirty="0"/>
+          </a:p>
+          <a:p>
+            <a:pPr algn="ctr" indent="0" marL="0">
+              <a:buNone/>
+            </a:pPr>
+            <a:r>
+              <a:rPr lang="en-US" sz="3600" dirty="0">
+                <a:solidFill>
+                  <a:srgbClr val="404040"/>
                 </a:solidFill>
               </a:rPr>
               <a:t>たいよ</a:t>
             </a:r>
-            <a:endParaRPr lang="en-US" sz="4800" dirty="0"/>
-          </a:p>
-        </p:txBody>
-      </p:sp>
-      <p:sp>
-        <p:nvSpPr>
-          <p:cNvPr id="3" name="Text 1"/>
+            <a:endParaRPr lang="en-US" sz="3600" dirty="0"/>
+          </a:p>
+        </p:txBody>
+      </p:sp>
+      <p:sp>
+        <p:nvSpPr>
+          <p:cNvPr id="4" name="Text 2"/>
           <p:cNvSpPr/>
           <p:nvPr/>
         </p:nvSpPr>
@@ -2307,7 +2409,7 @@
             <a:r>
               <a:rPr lang="en-US" sz="3600" dirty="0">
                 <a:solidFill>
-                  <a:srgbClr val="000000"/>
+                  <a:srgbClr val="808080"/>
                 </a:solidFill>
               </a:rPr>
               <a:t>loan, lending...</a:t>
@@ -2318,32 +2420,32 @@
       </p:sp>
       <p:sp>
         <p:nvSpPr>
-          <p:cNvPr id="4" name="Text 2"/>
-          <p:cNvSpPr/>
-          <p:nvPr/>
-        </p:nvSpPr>
-        <p:spPr>
-          <a:xfrm>
-            <a:off x="0" y="4572000"/>
-            <a:ext cx="7315200" cy="1828800"/>
-          </a:xfrm>
-          <a:prstGeom prst="rect">
-            <a:avLst/>
-          </a:prstGeom>
-          <a:noFill/>
-          <a:ln/>
-        </p:spPr>
-        <p:txBody>
-          <a:bodyPr wrap="square" rtlCol="0" anchor="ctr"/>
-          <a:lstStyle/>
-          <a:p>
-            <a:pPr algn="l" indent="0" marL="0">
+          <p:cNvPr id="5" name="Text 3"/>
+          <p:cNvSpPr/>
+          <p:nvPr/>
+        </p:nvSpPr>
+        <p:spPr>
+          <a:xfrm>
+            <a:off x="0" y="3657600"/>
+            <a:ext cx="8686800" cy="1828800"/>
+          </a:xfrm>
+          <a:prstGeom prst="rect">
+            <a:avLst/>
+          </a:prstGeom>
+          <a:noFill/>
+          <a:ln/>
+        </p:spPr>
+        <p:txBody>
+          <a:bodyPr wrap="square" rtlCol="0" anchor="ctr"/>
+          <a:lstStyle/>
+          <a:p>
+            <a:pPr algn="r" indent="0" marL="0">
               <a:buNone/>
             </a:pPr>
             <a:r>
               <a:rPr lang="en-US" sz="2400" dirty="0">
                 <a:solidFill>
-                  <a:srgbClr val="000000"/>
+                  <a:srgbClr val="808080"/>
                 </a:solidFill>
               </a:rPr>
               <a:t>63-64</a:t>
@@ -2385,6 +2487,42 @@
         </p:nvSpPr>
         <p:spPr>
           <a:xfrm>
+            <a:off x="0" y="548640"/>
+            <a:ext cx="9144000" cy="1828800"/>
+          </a:xfrm>
+          <a:prstGeom prst="rect">
+            <a:avLst/>
+          </a:prstGeom>
+          <a:noFill/>
+          <a:ln/>
+        </p:spPr>
+        <p:txBody>
+          <a:bodyPr wrap="square" rtlCol="0" anchor="ctr"/>
+          <a:lstStyle/>
+          <a:p>
+            <a:pPr algn="ctr" indent="0" marL="0">
+              <a:buNone/>
+            </a:pPr>
+            <a:r>
+              <a:rPr lang="en-US" sz="4800" dirty="0">
+                <a:solidFill>
+                  <a:srgbClr val="000000"/>
+                </a:solidFill>
+              </a:rPr>
+              <a:t>可能</a:t>
+            </a:r>
+            <a:endParaRPr lang="en-US" sz="4800" dirty="0"/>
+          </a:p>
+        </p:txBody>
+      </p:sp>
+      <p:sp>
+        <p:nvSpPr>
+          <p:cNvPr id="3" name="Text 1"/>
+          <p:cNvSpPr/>
+          <p:nvPr/>
+        </p:nvSpPr>
+        <p:spPr>
+          <a:xfrm>
             <a:off x="0" y="914400"/>
             <a:ext cx="9144000" cy="1828800"/>
           </a:xfrm>
@@ -2401,35 +2539,33 @@
             <a:pPr algn="ctr" indent="0" marL="0">
               <a:buNone/>
             </a:pPr>
-            <a:r>
-              <a:rPr lang="en-US" sz="4800" dirty="0">
-                <a:solidFill>
-                  <a:srgbClr val="000000"/>
-                </a:solidFill>
-              </a:rPr>
-              <a:t>可能</a:t>
-            </a:r>
-            <a:endParaRPr lang="en-US" sz="4800" dirty="0"/>
-          </a:p>
-          <a:p>
-            <a:pPr algn="ctr" indent="0" marL="0">
-              <a:buNone/>
-            </a:pPr>
-            <a:r>
-              <a:rPr lang="en-US" sz="4800" dirty="0">
-                <a:solidFill>
-                  <a:srgbClr val="000000"/>
+            <a:endParaRPr lang="en-US" sz="3600" dirty="0"/>
+          </a:p>
+          <a:p>
+            <a:pPr algn="ctr" indent="0" marL="0">
+              <a:buNone/>
+            </a:pPr>
+            <a:endParaRPr lang="en-US" sz="3600" dirty="0"/>
+          </a:p>
+          <a:p>
+            <a:pPr algn="ctr" indent="0" marL="0">
+              <a:buNone/>
+            </a:pPr>
+            <a:r>
+              <a:rPr lang="en-US" sz="3600" dirty="0">
+                <a:solidFill>
+                  <a:srgbClr val="404040"/>
                 </a:solidFill>
               </a:rPr>
               <a:t>かのう</a:t>
             </a:r>
-            <a:endParaRPr lang="en-US" sz="4800" dirty="0"/>
-          </a:p>
-        </p:txBody>
-      </p:sp>
-      <p:sp>
-        <p:nvSpPr>
-          <p:cNvPr id="3" name="Text 1"/>
+            <a:endParaRPr lang="en-US" sz="3600" dirty="0"/>
+          </a:p>
+        </p:txBody>
+      </p:sp>
+      <p:sp>
+        <p:nvSpPr>
+          <p:cNvPr id="4" name="Text 2"/>
           <p:cNvSpPr/>
           <p:nvPr/>
         </p:nvSpPr>
@@ -2454,7 +2590,7 @@
             <a:r>
               <a:rPr lang="en-US" sz="3600" dirty="0">
                 <a:solidFill>
-                  <a:srgbClr val="000000"/>
+                  <a:srgbClr val="808080"/>
                 </a:solidFill>
               </a:rPr>
               <a:t>possible, potential, practicable, feasible...</a:t>
@@ -2465,32 +2601,32 @@
       </p:sp>
       <p:sp>
         <p:nvSpPr>
-          <p:cNvPr id="4" name="Text 2"/>
-          <p:cNvSpPr/>
-          <p:nvPr/>
-        </p:nvSpPr>
-        <p:spPr>
-          <a:xfrm>
-            <a:off x="0" y="4572000"/>
-            <a:ext cx="7315200" cy="1828800"/>
-          </a:xfrm>
-          <a:prstGeom prst="rect">
-            <a:avLst/>
-          </a:prstGeom>
-          <a:noFill/>
-          <a:ln/>
-        </p:spPr>
-        <p:txBody>
-          <a:bodyPr wrap="square" rtlCol="0" anchor="ctr"/>
-          <a:lstStyle/>
-          <a:p>
-            <a:pPr algn="l" indent="0" marL="0">
+          <p:cNvPr id="5" name="Text 3"/>
+          <p:cNvSpPr/>
+          <p:nvPr/>
+        </p:nvSpPr>
+        <p:spPr>
+          <a:xfrm>
+            <a:off x="0" y="3657600"/>
+            <a:ext cx="8686800" cy="1828800"/>
+          </a:xfrm>
+          <a:prstGeom prst="rect">
+            <a:avLst/>
+          </a:prstGeom>
+          <a:noFill/>
+          <a:ln/>
+        </p:spPr>
+        <p:txBody>
+          <a:bodyPr wrap="square" rtlCol="0" anchor="ctr"/>
+          <a:lstStyle/>
+          <a:p>
+            <a:pPr algn="r" indent="0" marL="0">
               <a:buNone/>
             </a:pPr>
             <a:r>
               <a:rPr lang="en-US" sz="2400" dirty="0">
                 <a:solidFill>
-                  <a:srgbClr val="000000"/>
+                  <a:srgbClr val="808080"/>
                 </a:solidFill>
               </a:rPr>
               <a:t>63-64</a:t>
@@ -2532,6 +2668,42 @@
         </p:nvSpPr>
         <p:spPr>
           <a:xfrm>
+            <a:off x="0" y="548640"/>
+            <a:ext cx="9144000" cy="1828800"/>
+          </a:xfrm>
+          <a:prstGeom prst="rect">
+            <a:avLst/>
+          </a:prstGeom>
+          <a:noFill/>
+          <a:ln/>
+        </p:spPr>
+        <p:txBody>
+          <a:bodyPr wrap="square" rtlCol="0" anchor="ctr"/>
+          <a:lstStyle/>
+          <a:p>
+            <a:pPr algn="ctr" indent="0" marL="0">
+              <a:buNone/>
+            </a:pPr>
+            <a:r>
+              <a:rPr lang="en-US" sz="4800" dirty="0">
+                <a:solidFill>
+                  <a:srgbClr val="000000"/>
+                </a:solidFill>
+              </a:rPr>
+              <a:t>趣味</a:t>
+            </a:r>
+            <a:endParaRPr lang="en-US" sz="4800" dirty="0"/>
+          </a:p>
+        </p:txBody>
+      </p:sp>
+      <p:sp>
+        <p:nvSpPr>
+          <p:cNvPr id="3" name="Text 1"/>
+          <p:cNvSpPr/>
+          <p:nvPr/>
+        </p:nvSpPr>
+        <p:spPr>
+          <a:xfrm>
             <a:off x="0" y="914400"/>
             <a:ext cx="9144000" cy="1828800"/>
           </a:xfrm>
@@ -2548,35 +2720,33 @@
             <a:pPr algn="ctr" indent="0" marL="0">
               <a:buNone/>
             </a:pPr>
-            <a:r>
-              <a:rPr lang="en-US" sz="4800" dirty="0">
-                <a:solidFill>
-                  <a:srgbClr val="000000"/>
-                </a:solidFill>
-              </a:rPr>
-              <a:t>趣味</a:t>
-            </a:r>
-            <a:endParaRPr lang="en-US" sz="4800" dirty="0"/>
-          </a:p>
-          <a:p>
-            <a:pPr algn="ctr" indent="0" marL="0">
-              <a:buNone/>
-            </a:pPr>
-            <a:r>
-              <a:rPr lang="en-US" sz="4800" dirty="0">
-                <a:solidFill>
-                  <a:srgbClr val="000000"/>
+            <a:endParaRPr lang="en-US" sz="3600" dirty="0"/>
+          </a:p>
+          <a:p>
+            <a:pPr algn="ctr" indent="0" marL="0">
+              <a:buNone/>
+            </a:pPr>
+            <a:endParaRPr lang="en-US" sz="3600" dirty="0"/>
+          </a:p>
+          <a:p>
+            <a:pPr algn="ctr" indent="0" marL="0">
+              <a:buNone/>
+            </a:pPr>
+            <a:r>
+              <a:rPr lang="en-US" sz="3600" dirty="0">
+                <a:solidFill>
+                  <a:srgbClr val="404040"/>
                 </a:solidFill>
               </a:rPr>
               <a:t>しゅみ</a:t>
             </a:r>
-            <a:endParaRPr lang="en-US" sz="4800" dirty="0"/>
-          </a:p>
-        </p:txBody>
-      </p:sp>
-      <p:sp>
-        <p:nvSpPr>
-          <p:cNvPr id="3" name="Text 1"/>
+            <a:endParaRPr lang="en-US" sz="3600" dirty="0"/>
+          </a:p>
+        </p:txBody>
+      </p:sp>
+      <p:sp>
+        <p:nvSpPr>
+          <p:cNvPr id="4" name="Text 2"/>
           <p:cNvSpPr/>
           <p:nvPr/>
         </p:nvSpPr>
@@ -2601,7 +2771,7 @@
             <a:r>
               <a:rPr lang="en-US" sz="3600" dirty="0">
                 <a:solidFill>
-                  <a:srgbClr val="000000"/>
+                  <a:srgbClr val="808080"/>
                 </a:solidFill>
               </a:rPr>
               <a:t>hobby, pastime | tastes, preference, liking...</a:t>
@@ -2612,32 +2782,32 @@
       </p:sp>
       <p:sp>
         <p:nvSpPr>
-          <p:cNvPr id="4" name="Text 2"/>
-          <p:cNvSpPr/>
-          <p:nvPr/>
-        </p:nvSpPr>
-        <p:spPr>
-          <a:xfrm>
-            <a:off x="0" y="4572000"/>
-            <a:ext cx="7315200" cy="1828800"/>
-          </a:xfrm>
-          <a:prstGeom prst="rect">
-            <a:avLst/>
-          </a:prstGeom>
-          <a:noFill/>
-          <a:ln/>
-        </p:spPr>
-        <p:txBody>
-          <a:bodyPr wrap="square" rtlCol="0" anchor="ctr"/>
-          <a:lstStyle/>
-          <a:p>
-            <a:pPr algn="l" indent="0" marL="0">
+          <p:cNvPr id="5" name="Text 3"/>
+          <p:cNvSpPr/>
+          <p:nvPr/>
+        </p:nvSpPr>
+        <p:spPr>
+          <a:xfrm>
+            <a:off x="0" y="3657600"/>
+            <a:ext cx="8686800" cy="1828800"/>
+          </a:xfrm>
+          <a:prstGeom prst="rect">
+            <a:avLst/>
+          </a:prstGeom>
+          <a:noFill/>
+          <a:ln/>
+        </p:spPr>
+        <p:txBody>
+          <a:bodyPr wrap="square" rtlCol="0" anchor="ctr"/>
+          <a:lstStyle/>
+          <a:p>
+            <a:pPr algn="r" indent="0" marL="0">
               <a:buNone/>
             </a:pPr>
             <a:r>
               <a:rPr lang="en-US" sz="2400" dirty="0">
                 <a:solidFill>
-                  <a:srgbClr val="000000"/>
+                  <a:srgbClr val="808080"/>
                 </a:solidFill>
               </a:rPr>
               <a:t>63-64</a:t>
@@ -2679,6 +2849,42 @@
         </p:nvSpPr>
         <p:spPr>
           <a:xfrm>
+            <a:off x="0" y="548640"/>
+            <a:ext cx="9144000" cy="1828800"/>
+          </a:xfrm>
+          <a:prstGeom prst="rect">
+            <a:avLst/>
+          </a:prstGeom>
+          <a:noFill/>
+          <a:ln/>
+        </p:spPr>
+        <p:txBody>
+          <a:bodyPr wrap="square" rtlCol="0" anchor="ctr"/>
+          <a:lstStyle/>
+          <a:p>
+            <a:pPr algn="ctr" indent="0" marL="0">
+              <a:buNone/>
+            </a:pPr>
+            <a:r>
+              <a:rPr lang="en-US" sz="4800" dirty="0">
+                <a:solidFill>
+                  <a:srgbClr val="000000"/>
+                </a:solidFill>
+              </a:rPr>
+              <a:t>豊作</a:t>
+            </a:r>
+            <a:endParaRPr lang="en-US" sz="4800" dirty="0"/>
+          </a:p>
+        </p:txBody>
+      </p:sp>
+      <p:sp>
+        <p:nvSpPr>
+          <p:cNvPr id="3" name="Text 1"/>
+          <p:cNvSpPr/>
+          <p:nvPr/>
+        </p:nvSpPr>
+        <p:spPr>
+          <a:xfrm>
             <a:off x="0" y="914400"/>
             <a:ext cx="9144000" cy="1828800"/>
           </a:xfrm>
@@ -2695,35 +2901,33 @@
             <a:pPr algn="ctr" indent="0" marL="0">
               <a:buNone/>
             </a:pPr>
-            <a:r>
-              <a:rPr lang="en-US" sz="4800" dirty="0">
-                <a:solidFill>
-                  <a:srgbClr val="000000"/>
-                </a:solidFill>
-              </a:rPr>
-              <a:t>豊作</a:t>
-            </a:r>
-            <a:endParaRPr lang="en-US" sz="4800" dirty="0"/>
-          </a:p>
-          <a:p>
-            <a:pPr algn="ctr" indent="0" marL="0">
-              <a:buNone/>
-            </a:pPr>
-            <a:r>
-              <a:rPr lang="en-US" sz="4800" dirty="0">
-                <a:solidFill>
-                  <a:srgbClr val="000000"/>
+            <a:endParaRPr lang="en-US" sz="3600" dirty="0"/>
+          </a:p>
+          <a:p>
+            <a:pPr algn="ctr" indent="0" marL="0">
+              <a:buNone/>
+            </a:pPr>
+            <a:endParaRPr lang="en-US" sz="3600" dirty="0"/>
+          </a:p>
+          <a:p>
+            <a:pPr algn="ctr" indent="0" marL="0">
+              <a:buNone/>
+            </a:pPr>
+            <a:r>
+              <a:rPr lang="en-US" sz="3600" dirty="0">
+                <a:solidFill>
+                  <a:srgbClr val="404040"/>
                 </a:solidFill>
               </a:rPr>
               <a:t>ほうさく</a:t>
             </a:r>
-            <a:endParaRPr lang="en-US" sz="4800" dirty="0"/>
-          </a:p>
-        </p:txBody>
-      </p:sp>
-      <p:sp>
-        <p:nvSpPr>
-          <p:cNvPr id="3" name="Text 1"/>
+            <a:endParaRPr lang="en-US" sz="3600" dirty="0"/>
+          </a:p>
+        </p:txBody>
+      </p:sp>
+      <p:sp>
+        <p:nvSpPr>
+          <p:cNvPr id="4" name="Text 2"/>
           <p:cNvSpPr/>
           <p:nvPr/>
         </p:nvSpPr>
@@ -2748,7 +2952,7 @@
             <a:r>
               <a:rPr lang="en-US" sz="3600" dirty="0">
                 <a:solidFill>
-                  <a:srgbClr val="000000"/>
+                  <a:srgbClr val="808080"/>
                 </a:solidFill>
               </a:rPr>
               <a:t>abundant harvest, bumper crop...</a:t>
@@ -2759,32 +2963,32 @@
       </p:sp>
       <p:sp>
         <p:nvSpPr>
-          <p:cNvPr id="4" name="Text 2"/>
-          <p:cNvSpPr/>
-          <p:nvPr/>
-        </p:nvSpPr>
-        <p:spPr>
-          <a:xfrm>
-            <a:off x="0" y="4572000"/>
-            <a:ext cx="7315200" cy="1828800"/>
-          </a:xfrm>
-          <a:prstGeom prst="rect">
-            <a:avLst/>
-          </a:prstGeom>
-          <a:noFill/>
-          <a:ln/>
-        </p:spPr>
-        <p:txBody>
-          <a:bodyPr wrap="square" rtlCol="0" anchor="ctr"/>
-          <a:lstStyle/>
-          <a:p>
-            <a:pPr algn="l" indent="0" marL="0">
+          <p:cNvPr id="5" name="Text 3"/>
+          <p:cNvSpPr/>
+          <p:nvPr/>
+        </p:nvSpPr>
+        <p:spPr>
+          <a:xfrm>
+            <a:off x="0" y="3657600"/>
+            <a:ext cx="8686800" cy="1828800"/>
+          </a:xfrm>
+          <a:prstGeom prst="rect">
+            <a:avLst/>
+          </a:prstGeom>
+          <a:noFill/>
+          <a:ln/>
+        </p:spPr>
+        <p:txBody>
+          <a:bodyPr wrap="square" rtlCol="0" anchor="ctr"/>
+          <a:lstStyle/>
+          <a:p>
+            <a:pPr algn="r" indent="0" marL="0">
               <a:buNone/>
             </a:pPr>
             <a:r>
               <a:rPr lang="en-US" sz="2400" dirty="0">
                 <a:solidFill>
-                  <a:srgbClr val="000000"/>
+                  <a:srgbClr val="808080"/>
                 </a:solidFill>
               </a:rPr>
               <a:t>63-64</a:t>
@@ -2826,6 +3030,42 @@
         </p:nvSpPr>
         <p:spPr>
           <a:xfrm>
+            <a:off x="0" y="548640"/>
+            <a:ext cx="9144000" cy="1828800"/>
+          </a:xfrm>
+          <a:prstGeom prst="rect">
+            <a:avLst/>
+          </a:prstGeom>
+          <a:noFill/>
+          <a:ln/>
+        </p:spPr>
+        <p:txBody>
+          <a:bodyPr wrap="square" rtlCol="0" anchor="ctr"/>
+          <a:lstStyle/>
+          <a:p>
+            <a:pPr algn="ctr" indent="0" marL="0">
+              <a:buNone/>
+            </a:pPr>
+            <a:r>
+              <a:rPr lang="en-US" sz="4800" dirty="0">
+                <a:solidFill>
+                  <a:srgbClr val="000000"/>
+                </a:solidFill>
+              </a:rPr>
+              <a:t>得る</a:t>
+            </a:r>
+            <a:endParaRPr lang="en-US" sz="4800" dirty="0"/>
+          </a:p>
+        </p:txBody>
+      </p:sp>
+      <p:sp>
+        <p:nvSpPr>
+          <p:cNvPr id="3" name="Text 1"/>
+          <p:cNvSpPr/>
+          <p:nvPr/>
+        </p:nvSpPr>
+        <p:spPr>
+          <a:xfrm>
             <a:off x="0" y="914400"/>
             <a:ext cx="9144000" cy="1828800"/>
           </a:xfrm>
@@ -2842,35 +3082,33 @@
             <a:pPr algn="ctr" indent="0" marL="0">
               <a:buNone/>
             </a:pPr>
-            <a:r>
-              <a:rPr lang="en-US" sz="4800" dirty="0">
-                <a:solidFill>
-                  <a:srgbClr val="000000"/>
-                </a:solidFill>
-              </a:rPr>
-              <a:t>得る</a:t>
-            </a:r>
-            <a:endParaRPr lang="en-US" sz="4800" dirty="0"/>
-          </a:p>
-          <a:p>
-            <a:pPr algn="ctr" indent="0" marL="0">
-              <a:buNone/>
-            </a:pPr>
-            <a:r>
-              <a:rPr lang="en-US" sz="4800" dirty="0">
-                <a:solidFill>
-                  <a:srgbClr val="000000"/>
+            <a:endParaRPr lang="en-US" sz="3600" dirty="0"/>
+          </a:p>
+          <a:p>
+            <a:pPr algn="ctr" indent="0" marL="0">
+              <a:buNone/>
+            </a:pPr>
+            <a:endParaRPr lang="en-US" sz="3600" dirty="0"/>
+          </a:p>
+          <a:p>
+            <a:pPr algn="ctr" indent="0" marL="0">
+              <a:buNone/>
+            </a:pPr>
+            <a:r>
+              <a:rPr lang="en-US" sz="3600" dirty="0">
+                <a:solidFill>
+                  <a:srgbClr val="404040"/>
                 </a:solidFill>
               </a:rPr>
               <a:t>える</a:t>
             </a:r>
-            <a:endParaRPr lang="en-US" sz="4800" dirty="0"/>
-          </a:p>
-        </p:txBody>
-      </p:sp>
-      <p:sp>
-        <p:nvSpPr>
-          <p:cNvPr id="3" name="Text 1"/>
+            <a:endParaRPr lang="en-US" sz="3600" dirty="0"/>
+          </a:p>
+        </p:txBody>
+      </p:sp>
+      <p:sp>
+        <p:nvSpPr>
+          <p:cNvPr id="4" name="Text 2"/>
           <p:cNvSpPr/>
           <p:nvPr/>
         </p:nvSpPr>
@@ -2895,7 +3133,7 @@
             <a:r>
               <a:rPr lang="en-US" sz="3600" dirty="0">
                 <a:solidFill>
-                  <a:srgbClr val="000000"/>
+                  <a:srgbClr val="808080"/>
                 </a:solidFill>
               </a:rPr>
               <a:t>to get, to earn, to acquire, to procure, to gain, to secure, to attain, to obtain, to win | to understand, to comprehend ...</a:t>
@@ -2906,32 +3144,32 @@
       </p:sp>
       <p:sp>
         <p:nvSpPr>
-          <p:cNvPr id="4" name="Text 2"/>
-          <p:cNvSpPr/>
-          <p:nvPr/>
-        </p:nvSpPr>
-        <p:spPr>
-          <a:xfrm>
-            <a:off x="0" y="4572000"/>
-            <a:ext cx="7315200" cy="1828800"/>
-          </a:xfrm>
-          <a:prstGeom prst="rect">
-            <a:avLst/>
-          </a:prstGeom>
-          <a:noFill/>
-          <a:ln/>
-        </p:spPr>
-        <p:txBody>
-          <a:bodyPr wrap="square" rtlCol="0" anchor="ctr"/>
-          <a:lstStyle/>
-          <a:p>
-            <a:pPr algn="l" indent="0" marL="0">
+          <p:cNvPr id="5" name="Text 3"/>
+          <p:cNvSpPr/>
+          <p:nvPr/>
+        </p:nvSpPr>
+        <p:spPr>
+          <a:xfrm>
+            <a:off x="0" y="3657600"/>
+            <a:ext cx="8686800" cy="1828800"/>
+          </a:xfrm>
+          <a:prstGeom prst="rect">
+            <a:avLst/>
+          </a:prstGeom>
+          <a:noFill/>
+          <a:ln/>
+        </p:spPr>
+        <p:txBody>
+          <a:bodyPr wrap="square" rtlCol="0" anchor="ctr"/>
+          <a:lstStyle/>
+          <a:p>
+            <a:pPr algn="r" indent="0" marL="0">
               <a:buNone/>
             </a:pPr>
             <a:r>
               <a:rPr lang="en-US" sz="2400" dirty="0">
                 <a:solidFill>
-                  <a:srgbClr val="000000"/>
+                  <a:srgbClr val="808080"/>
                 </a:solidFill>
               </a:rPr>
               <a:t>63-64</a:t>
@@ -2973,6 +3211,42 @@
         </p:nvSpPr>
         <p:spPr>
           <a:xfrm>
+            <a:off x="0" y="548640"/>
+            <a:ext cx="9144000" cy="1828800"/>
+          </a:xfrm>
+          <a:prstGeom prst="rect">
+            <a:avLst/>
+          </a:prstGeom>
+          <a:noFill/>
+          <a:ln/>
+        </p:spPr>
+        <p:txBody>
+          <a:bodyPr wrap="square" rtlCol="0" anchor="ctr"/>
+          <a:lstStyle/>
+          <a:p>
+            <a:pPr algn="ctr" indent="0" marL="0">
+              <a:buNone/>
+            </a:pPr>
+            <a:r>
+              <a:rPr lang="en-US" sz="4800" dirty="0">
+                <a:solidFill>
+                  <a:srgbClr val="000000"/>
+                </a:solidFill>
+              </a:rPr>
+              <a:t>得意</a:t>
+            </a:r>
+            <a:endParaRPr lang="en-US" sz="4800" dirty="0"/>
+          </a:p>
+        </p:txBody>
+      </p:sp>
+      <p:sp>
+        <p:nvSpPr>
+          <p:cNvPr id="3" name="Text 1"/>
+          <p:cNvSpPr/>
+          <p:nvPr/>
+        </p:nvSpPr>
+        <p:spPr>
+          <a:xfrm>
             <a:off x="0" y="914400"/>
             <a:ext cx="9144000" cy="1828800"/>
           </a:xfrm>
@@ -2989,35 +3263,33 @@
             <a:pPr algn="ctr" indent="0" marL="0">
               <a:buNone/>
             </a:pPr>
-            <a:r>
-              <a:rPr lang="en-US" sz="4800" dirty="0">
-                <a:solidFill>
-                  <a:srgbClr val="000000"/>
-                </a:solidFill>
-              </a:rPr>
-              <a:t>得意</a:t>
-            </a:r>
-            <a:endParaRPr lang="en-US" sz="4800" dirty="0"/>
-          </a:p>
-          <a:p>
-            <a:pPr algn="ctr" indent="0" marL="0">
-              <a:buNone/>
-            </a:pPr>
-            <a:r>
-              <a:rPr lang="en-US" sz="4800" dirty="0">
-                <a:solidFill>
-                  <a:srgbClr val="000000"/>
+            <a:endParaRPr lang="en-US" sz="3600" dirty="0"/>
+          </a:p>
+          <a:p>
+            <a:pPr algn="ctr" indent="0" marL="0">
+              <a:buNone/>
+            </a:pPr>
+            <a:endParaRPr lang="en-US" sz="3600" dirty="0"/>
+          </a:p>
+          <a:p>
+            <a:pPr algn="ctr" indent="0" marL="0">
+              <a:buNone/>
+            </a:pPr>
+            <a:r>
+              <a:rPr lang="en-US" sz="3600" dirty="0">
+                <a:solidFill>
+                  <a:srgbClr val="404040"/>
                 </a:solidFill>
               </a:rPr>
               <a:t>とくい</a:t>
             </a:r>
-            <a:endParaRPr lang="en-US" sz="4800" dirty="0"/>
-          </a:p>
-        </p:txBody>
-      </p:sp>
-      <p:sp>
-        <p:nvSpPr>
-          <p:cNvPr id="3" name="Text 1"/>
+            <a:endParaRPr lang="en-US" sz="3600" dirty="0"/>
+          </a:p>
+        </p:txBody>
+      </p:sp>
+      <p:sp>
+        <p:nvSpPr>
+          <p:cNvPr id="4" name="Text 2"/>
           <p:cNvSpPr/>
           <p:nvPr/>
         </p:nvSpPr>
@@ -3042,7 +3314,7 @@
             <a:r>
               <a:rPr lang="en-US" sz="3600" dirty="0">
                 <a:solidFill>
-                  <a:srgbClr val="000000"/>
+                  <a:srgbClr val="808080"/>
                 </a:solidFill>
               </a:rPr>
               <a:t>satisfaction, pride, triumph, elation | one's strong point, one's forte, one's specialty | regular customer, regular clie...</a:t>
@@ -3053,32 +3325,32 @@
       </p:sp>
       <p:sp>
         <p:nvSpPr>
-          <p:cNvPr id="4" name="Text 2"/>
-          <p:cNvSpPr/>
-          <p:nvPr/>
-        </p:nvSpPr>
-        <p:spPr>
-          <a:xfrm>
-            <a:off x="0" y="4572000"/>
-            <a:ext cx="7315200" cy="1828800"/>
-          </a:xfrm>
-          <a:prstGeom prst="rect">
-            <a:avLst/>
-          </a:prstGeom>
-          <a:noFill/>
-          <a:ln/>
-        </p:spPr>
-        <p:txBody>
-          <a:bodyPr wrap="square" rtlCol="0" anchor="ctr"/>
-          <a:lstStyle/>
-          <a:p>
-            <a:pPr algn="l" indent="0" marL="0">
+          <p:cNvPr id="5" name="Text 3"/>
+          <p:cNvSpPr/>
+          <p:nvPr/>
+        </p:nvSpPr>
+        <p:spPr>
+          <a:xfrm>
+            <a:off x="0" y="3657600"/>
+            <a:ext cx="8686800" cy="1828800"/>
+          </a:xfrm>
+          <a:prstGeom prst="rect">
+            <a:avLst/>
+          </a:prstGeom>
+          <a:noFill/>
+          <a:ln/>
+        </p:spPr>
+        <p:txBody>
+          <a:bodyPr wrap="square" rtlCol="0" anchor="ctr"/>
+          <a:lstStyle/>
+          <a:p>
+            <a:pPr algn="r" indent="0" marL="0">
               <a:buNone/>
             </a:pPr>
             <a:r>
               <a:rPr lang="en-US" sz="2400" dirty="0">
                 <a:solidFill>
-                  <a:srgbClr val="000000"/>
+                  <a:srgbClr val="808080"/>
                 </a:solidFill>
               </a:rPr>
               <a:t>63-64</a:t>
@@ -3120,6 +3392,42 @@
         </p:nvSpPr>
         <p:spPr>
           <a:xfrm>
+            <a:off x="0" y="548640"/>
+            <a:ext cx="9144000" cy="1828800"/>
+          </a:xfrm>
+          <a:prstGeom prst="rect">
+            <a:avLst/>
+          </a:prstGeom>
+          <a:noFill/>
+          <a:ln/>
+        </p:spPr>
+        <p:txBody>
+          <a:bodyPr wrap="square" rtlCol="0" anchor="ctr"/>
+          <a:lstStyle/>
+          <a:p>
+            <a:pPr algn="ctr" indent="0" marL="0">
+              <a:buNone/>
+            </a:pPr>
+            <a:r>
+              <a:rPr lang="en-US" sz="4800" dirty="0">
+                <a:solidFill>
+                  <a:srgbClr val="000000"/>
+                </a:solidFill>
+              </a:rPr>
+              <a:t>逆らう</a:t>
+            </a:r>
+            <a:endParaRPr lang="en-US" sz="4800" dirty="0"/>
+          </a:p>
+        </p:txBody>
+      </p:sp>
+      <p:sp>
+        <p:nvSpPr>
+          <p:cNvPr id="3" name="Text 1"/>
+          <p:cNvSpPr/>
+          <p:nvPr/>
+        </p:nvSpPr>
+        <p:spPr>
+          <a:xfrm>
             <a:off x="0" y="914400"/>
             <a:ext cx="9144000" cy="1828800"/>
           </a:xfrm>
@@ -3136,35 +3444,33 @@
             <a:pPr algn="ctr" indent="0" marL="0">
               <a:buNone/>
             </a:pPr>
-            <a:r>
-              <a:rPr lang="en-US" sz="4800" dirty="0">
-                <a:solidFill>
-                  <a:srgbClr val="000000"/>
-                </a:solidFill>
-              </a:rPr>
-              <a:t>逆らう</a:t>
-            </a:r>
-            <a:endParaRPr lang="en-US" sz="4800" dirty="0"/>
-          </a:p>
-          <a:p>
-            <a:pPr algn="ctr" indent="0" marL="0">
-              <a:buNone/>
-            </a:pPr>
-            <a:r>
-              <a:rPr lang="en-US" sz="4800" dirty="0">
-                <a:solidFill>
-                  <a:srgbClr val="000000"/>
+            <a:endParaRPr lang="en-US" sz="3600" dirty="0"/>
+          </a:p>
+          <a:p>
+            <a:pPr algn="ctr" indent="0" marL="0">
+              <a:buNone/>
+            </a:pPr>
+            <a:endParaRPr lang="en-US" sz="3600" dirty="0"/>
+          </a:p>
+          <a:p>
+            <a:pPr algn="ctr" indent="0" marL="0">
+              <a:buNone/>
+            </a:pPr>
+            <a:r>
+              <a:rPr lang="en-US" sz="3600" dirty="0">
+                <a:solidFill>
+                  <a:srgbClr val="404040"/>
                 </a:solidFill>
               </a:rPr>
               <a:t>さからう</a:t>
             </a:r>
-            <a:endParaRPr lang="en-US" sz="4800" dirty="0"/>
-          </a:p>
-        </p:txBody>
-      </p:sp>
-      <p:sp>
-        <p:nvSpPr>
-          <p:cNvPr id="3" name="Text 1"/>
+            <a:endParaRPr lang="en-US" sz="3600" dirty="0"/>
+          </a:p>
+        </p:txBody>
+      </p:sp>
+      <p:sp>
+        <p:nvSpPr>
+          <p:cNvPr id="4" name="Text 2"/>
           <p:cNvSpPr/>
           <p:nvPr/>
         </p:nvSpPr>
@@ -3189,7 +3495,7 @@
             <a:r>
               <a:rPr lang="en-US" sz="3600" dirty="0">
                 <a:solidFill>
-                  <a:srgbClr val="000000"/>
+                  <a:srgbClr val="808080"/>
                 </a:solidFill>
               </a:rPr>
               <a:t>to go against, to oppose, to disobey, to defy...</a:t>
@@ -3200,32 +3506,32 @@
       </p:sp>
       <p:sp>
         <p:nvSpPr>
-          <p:cNvPr id="4" name="Text 2"/>
-          <p:cNvSpPr/>
-          <p:nvPr/>
-        </p:nvSpPr>
-        <p:spPr>
-          <a:xfrm>
-            <a:off x="0" y="4572000"/>
-            <a:ext cx="7315200" cy="1828800"/>
-          </a:xfrm>
-          <a:prstGeom prst="rect">
-            <a:avLst/>
-          </a:prstGeom>
-          <a:noFill/>
-          <a:ln/>
-        </p:spPr>
-        <p:txBody>
-          <a:bodyPr wrap="square" rtlCol="0" anchor="ctr"/>
-          <a:lstStyle/>
-          <a:p>
-            <a:pPr algn="l" indent="0" marL="0">
+          <p:cNvPr id="5" name="Text 3"/>
+          <p:cNvSpPr/>
+          <p:nvPr/>
+        </p:nvSpPr>
+        <p:spPr>
+          <a:xfrm>
+            <a:off x="0" y="3657600"/>
+            <a:ext cx="8686800" cy="1828800"/>
+          </a:xfrm>
+          <a:prstGeom prst="rect">
+            <a:avLst/>
+          </a:prstGeom>
+          <a:noFill/>
+          <a:ln/>
+        </p:spPr>
+        <p:txBody>
+          <a:bodyPr wrap="square" rtlCol="0" anchor="ctr"/>
+          <a:lstStyle/>
+          <a:p>
+            <a:pPr algn="r" indent="0" marL="0">
               <a:buNone/>
             </a:pPr>
             <a:r>
               <a:rPr lang="en-US" sz="2400" dirty="0">
                 <a:solidFill>
-                  <a:srgbClr val="000000"/>
+                  <a:srgbClr val="808080"/>
                 </a:solidFill>
               </a:rPr>
               <a:t>63-64</a:t>
@@ -3267,6 +3573,42 @@
         </p:nvSpPr>
         <p:spPr>
           <a:xfrm>
+            <a:off x="0" y="548640"/>
+            <a:ext cx="9144000" cy="1828800"/>
+          </a:xfrm>
+          <a:prstGeom prst="rect">
+            <a:avLst/>
+          </a:prstGeom>
+          <a:noFill/>
+          <a:ln/>
+        </p:spPr>
+        <p:txBody>
+          <a:bodyPr wrap="square" rtlCol="0" anchor="ctr"/>
+          <a:lstStyle/>
+          <a:p>
+            <a:pPr algn="ctr" indent="0" marL="0">
+              <a:buNone/>
+            </a:pPr>
+            <a:r>
+              <a:rPr lang="en-US" sz="4800" dirty="0">
+                <a:solidFill>
+                  <a:srgbClr val="000000"/>
+                </a:solidFill>
+              </a:rPr>
+              <a:t>逆</a:t>
+            </a:r>
+            <a:endParaRPr lang="en-US" sz="4800" dirty="0"/>
+          </a:p>
+        </p:txBody>
+      </p:sp>
+      <p:sp>
+        <p:nvSpPr>
+          <p:cNvPr id="3" name="Text 1"/>
+          <p:cNvSpPr/>
+          <p:nvPr/>
+        </p:nvSpPr>
+        <p:spPr>
+          <a:xfrm>
             <a:off x="0" y="914400"/>
             <a:ext cx="9144000" cy="1828800"/>
           </a:xfrm>
@@ -3283,35 +3625,33 @@
             <a:pPr algn="ctr" indent="0" marL="0">
               <a:buNone/>
             </a:pPr>
-            <a:r>
-              <a:rPr lang="en-US" sz="4800" dirty="0">
-                <a:solidFill>
-                  <a:srgbClr val="000000"/>
-                </a:solidFill>
-              </a:rPr>
-              <a:t>逆</a:t>
-            </a:r>
-            <a:endParaRPr lang="en-US" sz="4800" dirty="0"/>
-          </a:p>
-          <a:p>
-            <a:pPr algn="ctr" indent="0" marL="0">
-              <a:buNone/>
-            </a:pPr>
-            <a:r>
-              <a:rPr lang="en-US" sz="4800" dirty="0">
-                <a:solidFill>
-                  <a:srgbClr val="000000"/>
+            <a:endParaRPr lang="en-US" sz="3600" dirty="0"/>
+          </a:p>
+          <a:p>
+            <a:pPr algn="ctr" indent="0" marL="0">
+              <a:buNone/>
+            </a:pPr>
+            <a:endParaRPr lang="en-US" sz="3600" dirty="0"/>
+          </a:p>
+          <a:p>
+            <a:pPr algn="ctr" indent="0" marL="0">
+              <a:buNone/>
+            </a:pPr>
+            <a:r>
+              <a:rPr lang="en-US" sz="3600" dirty="0">
+                <a:solidFill>
+                  <a:srgbClr val="404040"/>
                 </a:solidFill>
               </a:rPr>
               <a:t>ぎゃく</a:t>
             </a:r>
-            <a:endParaRPr lang="en-US" sz="4800" dirty="0"/>
-          </a:p>
-        </p:txBody>
-      </p:sp>
-      <p:sp>
-        <p:nvSpPr>
-          <p:cNvPr id="3" name="Text 1"/>
+            <a:endParaRPr lang="en-US" sz="3600" dirty="0"/>
+          </a:p>
+        </p:txBody>
+      </p:sp>
+      <p:sp>
+        <p:nvSpPr>
+          <p:cNvPr id="4" name="Text 2"/>
           <p:cNvSpPr/>
           <p:nvPr/>
         </p:nvSpPr>
@@ -3336,7 +3676,7 @@
             <a:r>
               <a:rPr lang="en-US" sz="3600" dirty="0">
                 <a:solidFill>
-                  <a:srgbClr val="000000"/>
+                  <a:srgbClr val="808080"/>
                 </a:solidFill>
               </a:rPr>
               <a:t>reverse, opposite | converse (of a hypothesis, etc.) | inverse (function)...</a:t>
@@ -3347,32 +3687,32 @@
       </p:sp>
       <p:sp>
         <p:nvSpPr>
-          <p:cNvPr id="4" name="Text 2"/>
-          <p:cNvSpPr/>
-          <p:nvPr/>
-        </p:nvSpPr>
-        <p:spPr>
-          <a:xfrm>
-            <a:off x="0" y="4572000"/>
-            <a:ext cx="7315200" cy="1828800"/>
-          </a:xfrm>
-          <a:prstGeom prst="rect">
-            <a:avLst/>
-          </a:prstGeom>
-          <a:noFill/>
-          <a:ln/>
-        </p:spPr>
-        <p:txBody>
-          <a:bodyPr wrap="square" rtlCol="0" anchor="ctr"/>
-          <a:lstStyle/>
-          <a:p>
-            <a:pPr algn="l" indent="0" marL="0">
+          <p:cNvPr id="5" name="Text 3"/>
+          <p:cNvSpPr/>
+          <p:nvPr/>
+        </p:nvSpPr>
+        <p:spPr>
+          <a:xfrm>
+            <a:off x="0" y="3657600"/>
+            <a:ext cx="8686800" cy="1828800"/>
+          </a:xfrm>
+          <a:prstGeom prst="rect">
+            <a:avLst/>
+          </a:prstGeom>
+          <a:noFill/>
+          <a:ln/>
+        </p:spPr>
+        <p:txBody>
+          <a:bodyPr wrap="square" rtlCol="0" anchor="ctr"/>
+          <a:lstStyle/>
+          <a:p>
+            <a:pPr algn="r" indent="0" marL="0">
               <a:buNone/>
             </a:pPr>
             <a:r>
               <a:rPr lang="en-US" sz="2400" dirty="0">
                 <a:solidFill>
-                  <a:srgbClr val="000000"/>
+                  <a:srgbClr val="808080"/>
                 </a:solidFill>
               </a:rPr>
               <a:t>63-64</a:t>
@@ -3414,6 +3754,42 @@
         </p:nvSpPr>
         <p:spPr>
           <a:xfrm>
+            <a:off x="0" y="548640"/>
+            <a:ext cx="9144000" cy="1828800"/>
+          </a:xfrm>
+          <a:prstGeom prst="rect">
+            <a:avLst/>
+          </a:prstGeom>
+          <a:noFill/>
+          <a:ln/>
+        </p:spPr>
+        <p:txBody>
+          <a:bodyPr wrap="square" rtlCol="0" anchor="ctr"/>
+          <a:lstStyle/>
+          <a:p>
+            <a:pPr algn="ctr" indent="0" marL="0">
+              <a:buNone/>
+            </a:pPr>
+            <a:r>
+              <a:rPr lang="en-US" sz="4800" dirty="0">
+                <a:solidFill>
+                  <a:srgbClr val="000000"/>
+                </a:solidFill>
+              </a:rPr>
+              <a:t>お互い</a:t>
+            </a:r>
+            <a:endParaRPr lang="en-US" sz="4800" dirty="0"/>
+          </a:p>
+        </p:txBody>
+      </p:sp>
+      <p:sp>
+        <p:nvSpPr>
+          <p:cNvPr id="3" name="Text 1"/>
+          <p:cNvSpPr/>
+          <p:nvPr/>
+        </p:nvSpPr>
+        <p:spPr>
+          <a:xfrm>
             <a:off x="0" y="914400"/>
             <a:ext cx="9144000" cy="1828800"/>
           </a:xfrm>
@@ -3430,35 +3806,33 @@
             <a:pPr algn="ctr" indent="0" marL="0">
               <a:buNone/>
             </a:pPr>
-            <a:r>
-              <a:rPr lang="en-US" sz="4800" dirty="0">
-                <a:solidFill>
-                  <a:srgbClr val="000000"/>
-                </a:solidFill>
-              </a:rPr>
-              <a:t>お互い</a:t>
-            </a:r>
-            <a:endParaRPr lang="en-US" sz="4800" dirty="0"/>
-          </a:p>
-          <a:p>
-            <a:pPr algn="ctr" indent="0" marL="0">
-              <a:buNone/>
-            </a:pPr>
-            <a:r>
-              <a:rPr lang="en-US" sz="4800" dirty="0">
-                <a:solidFill>
-                  <a:srgbClr val="000000"/>
+            <a:endParaRPr lang="en-US" sz="3600" dirty="0"/>
+          </a:p>
+          <a:p>
+            <a:pPr algn="ctr" indent="0" marL="0">
+              <a:buNone/>
+            </a:pPr>
+            <a:endParaRPr lang="en-US" sz="3600" dirty="0"/>
+          </a:p>
+          <a:p>
+            <a:pPr algn="ctr" indent="0" marL="0">
+              <a:buNone/>
+            </a:pPr>
+            <a:r>
+              <a:rPr lang="en-US" sz="3600" dirty="0">
+                <a:solidFill>
+                  <a:srgbClr val="404040"/>
                 </a:solidFill>
               </a:rPr>
               <a:t>おたがい</a:t>
             </a:r>
-            <a:endParaRPr lang="en-US" sz="4800" dirty="0"/>
-          </a:p>
-        </p:txBody>
-      </p:sp>
-      <p:sp>
-        <p:nvSpPr>
-          <p:cNvPr id="3" name="Text 1"/>
+            <a:endParaRPr lang="en-US" sz="3600" dirty="0"/>
+          </a:p>
+        </p:txBody>
+      </p:sp>
+      <p:sp>
+        <p:nvSpPr>
+          <p:cNvPr id="4" name="Text 2"/>
           <p:cNvSpPr/>
           <p:nvPr/>
         </p:nvSpPr>
@@ -3483,7 +3857,7 @@
             <a:r>
               <a:rPr lang="en-US" sz="3600" dirty="0">
                 <a:solidFill>
-                  <a:srgbClr val="000000"/>
+                  <a:srgbClr val="808080"/>
                 </a:solidFill>
               </a:rPr>
               <a:t>each other, one another...</a:t>
@@ -3494,32 +3868,32 @@
       </p:sp>
       <p:sp>
         <p:nvSpPr>
-          <p:cNvPr id="4" name="Text 2"/>
-          <p:cNvSpPr/>
-          <p:nvPr/>
-        </p:nvSpPr>
-        <p:spPr>
-          <a:xfrm>
-            <a:off x="0" y="4572000"/>
-            <a:ext cx="7315200" cy="1828800"/>
-          </a:xfrm>
-          <a:prstGeom prst="rect">
-            <a:avLst/>
-          </a:prstGeom>
-          <a:noFill/>
-          <a:ln/>
-        </p:spPr>
-        <p:txBody>
-          <a:bodyPr wrap="square" rtlCol="0" anchor="ctr"/>
-          <a:lstStyle/>
-          <a:p>
-            <a:pPr algn="l" indent="0" marL="0">
+          <p:cNvPr id="5" name="Text 3"/>
+          <p:cNvSpPr/>
+          <p:nvPr/>
+        </p:nvSpPr>
+        <p:spPr>
+          <a:xfrm>
+            <a:off x="0" y="3657600"/>
+            <a:ext cx="8686800" cy="1828800"/>
+          </a:xfrm>
+          <a:prstGeom prst="rect">
+            <a:avLst/>
+          </a:prstGeom>
+          <a:noFill/>
+          <a:ln/>
+        </p:spPr>
+        <p:txBody>
+          <a:bodyPr wrap="square" rtlCol="0" anchor="ctr"/>
+          <a:lstStyle/>
+          <a:p>
+            <a:pPr algn="r" indent="0" marL="0">
               <a:buNone/>
             </a:pPr>
             <a:r>
               <a:rPr lang="en-US" sz="2400" dirty="0">
                 <a:solidFill>
-                  <a:srgbClr val="000000"/>
+                  <a:srgbClr val="808080"/>
                 </a:solidFill>
               </a:rPr>
               <a:t>63-64</a:t>
@@ -3561,6 +3935,42 @@
         </p:nvSpPr>
         <p:spPr>
           <a:xfrm>
+            <a:off x="0" y="548640"/>
+            <a:ext cx="9144000" cy="1828800"/>
+          </a:xfrm>
+          <a:prstGeom prst="rect">
+            <a:avLst/>
+          </a:prstGeom>
+          <a:noFill/>
+          <a:ln/>
+        </p:spPr>
+        <p:txBody>
+          <a:bodyPr wrap="square" rtlCol="0" anchor="ctr"/>
+          <a:lstStyle/>
+          <a:p>
+            <a:pPr algn="ctr" indent="0" marL="0">
+              <a:buNone/>
+            </a:pPr>
+            <a:r>
+              <a:rPr lang="en-US" sz="4800" dirty="0">
+                <a:solidFill>
+                  <a:srgbClr val="000000"/>
+                </a:solidFill>
+              </a:rPr>
+              <a:t>相互</a:t>
+            </a:r>
+            <a:endParaRPr lang="en-US" sz="4800" dirty="0"/>
+          </a:p>
+        </p:txBody>
+      </p:sp>
+      <p:sp>
+        <p:nvSpPr>
+          <p:cNvPr id="3" name="Text 1"/>
+          <p:cNvSpPr/>
+          <p:nvPr/>
+        </p:nvSpPr>
+        <p:spPr>
+          <a:xfrm>
             <a:off x="0" y="914400"/>
             <a:ext cx="9144000" cy="1828800"/>
           </a:xfrm>
@@ -3577,35 +3987,33 @@
             <a:pPr algn="ctr" indent="0" marL="0">
               <a:buNone/>
             </a:pPr>
-            <a:r>
-              <a:rPr lang="en-US" sz="4800" dirty="0">
-                <a:solidFill>
-                  <a:srgbClr val="000000"/>
-                </a:solidFill>
-              </a:rPr>
-              <a:t>相互</a:t>
-            </a:r>
-            <a:endParaRPr lang="en-US" sz="4800" dirty="0"/>
-          </a:p>
-          <a:p>
-            <a:pPr algn="ctr" indent="0" marL="0">
-              <a:buNone/>
-            </a:pPr>
-            <a:r>
-              <a:rPr lang="en-US" sz="4800" dirty="0">
-                <a:solidFill>
-                  <a:srgbClr val="000000"/>
+            <a:endParaRPr lang="en-US" sz="3600" dirty="0"/>
+          </a:p>
+          <a:p>
+            <a:pPr algn="ctr" indent="0" marL="0">
+              <a:buNone/>
+            </a:pPr>
+            <a:endParaRPr lang="en-US" sz="3600" dirty="0"/>
+          </a:p>
+          <a:p>
+            <a:pPr algn="ctr" indent="0" marL="0">
+              <a:buNone/>
+            </a:pPr>
+            <a:r>
+              <a:rPr lang="en-US" sz="3600" dirty="0">
+                <a:solidFill>
+                  <a:srgbClr val="404040"/>
                 </a:solidFill>
               </a:rPr>
               <a:t>そうご</a:t>
             </a:r>
-            <a:endParaRPr lang="en-US" sz="4800" dirty="0"/>
-          </a:p>
-        </p:txBody>
-      </p:sp>
-      <p:sp>
-        <p:nvSpPr>
-          <p:cNvPr id="3" name="Text 1"/>
+            <a:endParaRPr lang="en-US" sz="3600" dirty="0"/>
+          </a:p>
+        </p:txBody>
+      </p:sp>
+      <p:sp>
+        <p:nvSpPr>
+          <p:cNvPr id="4" name="Text 2"/>
           <p:cNvSpPr/>
           <p:nvPr/>
         </p:nvSpPr>
@@ -3630,7 +4038,7 @@
             <a:r>
               <a:rPr lang="en-US" sz="3600" dirty="0">
                 <a:solidFill>
-                  <a:srgbClr val="000000"/>
+                  <a:srgbClr val="808080"/>
                 </a:solidFill>
               </a:rPr>
               <a:t>mutual, reciprocal...</a:t>
@@ -3641,32 +4049,32 @@
       </p:sp>
       <p:sp>
         <p:nvSpPr>
-          <p:cNvPr id="4" name="Text 2"/>
-          <p:cNvSpPr/>
-          <p:nvPr/>
-        </p:nvSpPr>
-        <p:spPr>
-          <a:xfrm>
-            <a:off x="0" y="4572000"/>
-            <a:ext cx="7315200" cy="1828800"/>
-          </a:xfrm>
-          <a:prstGeom prst="rect">
-            <a:avLst/>
-          </a:prstGeom>
-          <a:noFill/>
-          <a:ln/>
-        </p:spPr>
-        <p:txBody>
-          <a:bodyPr wrap="square" rtlCol="0" anchor="ctr"/>
-          <a:lstStyle/>
-          <a:p>
-            <a:pPr algn="l" indent="0" marL="0">
+          <p:cNvPr id="5" name="Text 3"/>
+          <p:cNvSpPr/>
+          <p:nvPr/>
+        </p:nvSpPr>
+        <p:spPr>
+          <a:xfrm>
+            <a:off x="0" y="3657600"/>
+            <a:ext cx="8686800" cy="1828800"/>
+          </a:xfrm>
+          <a:prstGeom prst="rect">
+            <a:avLst/>
+          </a:prstGeom>
+          <a:noFill/>
+          <a:ln/>
+        </p:spPr>
+        <p:txBody>
+          <a:bodyPr wrap="square" rtlCol="0" anchor="ctr"/>
+          <a:lstStyle/>
+          <a:p>
+            <a:pPr algn="r" indent="0" marL="0">
               <a:buNone/>
             </a:pPr>
             <a:r>
               <a:rPr lang="en-US" sz="2400" dirty="0">
                 <a:solidFill>
-                  <a:srgbClr val="000000"/>
+                  <a:srgbClr val="808080"/>
                 </a:solidFill>
               </a:rPr>
               <a:t>63-64</a:t>
@@ -3708,6 +4116,42 @@
         </p:nvSpPr>
         <p:spPr>
           <a:xfrm>
+            <a:off x="0" y="548640"/>
+            <a:ext cx="9144000" cy="1828800"/>
+          </a:xfrm>
+          <a:prstGeom prst="rect">
+            <a:avLst/>
+          </a:prstGeom>
+          <a:noFill/>
+          <a:ln/>
+        </p:spPr>
+        <p:txBody>
+          <a:bodyPr wrap="square" rtlCol="0" anchor="ctr"/>
+          <a:lstStyle/>
+          <a:p>
+            <a:pPr algn="ctr" indent="0" marL="0">
+              <a:buNone/>
+            </a:pPr>
+            <a:r>
+              <a:rPr lang="en-US" sz="4800" dirty="0">
+                <a:solidFill>
+                  <a:srgbClr val="000000"/>
+                </a:solidFill>
+              </a:rPr>
+              <a:t>伸びる</a:t>
+            </a:r>
+            <a:endParaRPr lang="en-US" sz="4800" dirty="0"/>
+          </a:p>
+        </p:txBody>
+      </p:sp>
+      <p:sp>
+        <p:nvSpPr>
+          <p:cNvPr id="3" name="Text 1"/>
+          <p:cNvSpPr/>
+          <p:nvPr/>
+        </p:nvSpPr>
+        <p:spPr>
+          <a:xfrm>
             <a:off x="0" y="914400"/>
             <a:ext cx="9144000" cy="1828800"/>
           </a:xfrm>
@@ -3724,35 +4168,33 @@
             <a:pPr algn="ctr" indent="0" marL="0">
               <a:buNone/>
             </a:pPr>
-            <a:r>
-              <a:rPr lang="en-US" sz="4800" dirty="0">
-                <a:solidFill>
-                  <a:srgbClr val="000000"/>
-                </a:solidFill>
-              </a:rPr>
-              <a:t>伸びる</a:t>
-            </a:r>
-            <a:endParaRPr lang="en-US" sz="4800" dirty="0"/>
-          </a:p>
-          <a:p>
-            <a:pPr algn="ctr" indent="0" marL="0">
-              <a:buNone/>
-            </a:pPr>
-            <a:r>
-              <a:rPr lang="en-US" sz="4800" dirty="0">
-                <a:solidFill>
-                  <a:srgbClr val="000000"/>
+            <a:endParaRPr lang="en-US" sz="3600" dirty="0"/>
+          </a:p>
+          <a:p>
+            <a:pPr algn="ctr" indent="0" marL="0">
+              <a:buNone/>
+            </a:pPr>
+            <a:endParaRPr lang="en-US" sz="3600" dirty="0"/>
+          </a:p>
+          <a:p>
+            <a:pPr algn="ctr" indent="0" marL="0">
+              <a:buNone/>
+            </a:pPr>
+            <a:r>
+              <a:rPr lang="en-US" sz="3600" dirty="0">
+                <a:solidFill>
+                  <a:srgbClr val="404040"/>
                 </a:solidFill>
               </a:rPr>
               <a:t>のびる</a:t>
             </a:r>
-            <a:endParaRPr lang="en-US" sz="4800" dirty="0"/>
-          </a:p>
-        </p:txBody>
-      </p:sp>
-      <p:sp>
-        <p:nvSpPr>
-          <p:cNvPr id="3" name="Text 1"/>
+            <a:endParaRPr lang="en-US" sz="3600" dirty="0"/>
+          </a:p>
+        </p:txBody>
+      </p:sp>
+      <p:sp>
+        <p:nvSpPr>
+          <p:cNvPr id="4" name="Text 2"/>
           <p:cNvSpPr/>
           <p:nvPr/>
         </p:nvSpPr>
@@ -3777,7 +4219,7 @@
             <a:r>
               <a:rPr lang="en-US" sz="3600" dirty="0">
                 <a:solidFill>
-                  <a:srgbClr val="000000"/>
+                  <a:srgbClr val="808080"/>
                 </a:solidFill>
               </a:rPr>
               <a:t>to stretch, to extend, to lengthen, to grow (of hair, height, grass, etc.) | to straighten out, to be flattened, to becom...</a:t>
@@ -3788,32 +4230,32 @@
       </p:sp>
       <p:sp>
         <p:nvSpPr>
-          <p:cNvPr id="4" name="Text 2"/>
-          <p:cNvSpPr/>
-          <p:nvPr/>
-        </p:nvSpPr>
-        <p:spPr>
-          <a:xfrm>
-            <a:off x="0" y="4572000"/>
-            <a:ext cx="7315200" cy="1828800"/>
-          </a:xfrm>
-          <a:prstGeom prst="rect">
-            <a:avLst/>
-          </a:prstGeom>
-          <a:noFill/>
-          <a:ln/>
-        </p:spPr>
-        <p:txBody>
-          <a:bodyPr wrap="square" rtlCol="0" anchor="ctr"/>
-          <a:lstStyle/>
-          <a:p>
-            <a:pPr algn="l" indent="0" marL="0">
+          <p:cNvPr id="5" name="Text 3"/>
+          <p:cNvSpPr/>
+          <p:nvPr/>
+        </p:nvSpPr>
+        <p:spPr>
+          <a:xfrm>
+            <a:off x="0" y="3657600"/>
+            <a:ext cx="8686800" cy="1828800"/>
+          </a:xfrm>
+          <a:prstGeom prst="rect">
+            <a:avLst/>
+          </a:prstGeom>
+          <a:noFill/>
+          <a:ln/>
+        </p:spPr>
+        <p:txBody>
+          <a:bodyPr wrap="square" rtlCol="0" anchor="ctr"/>
+          <a:lstStyle/>
+          <a:p>
+            <a:pPr algn="r" indent="0" marL="0">
               <a:buNone/>
             </a:pPr>
             <a:r>
               <a:rPr lang="en-US" sz="2400" dirty="0">
                 <a:solidFill>
-                  <a:srgbClr val="000000"/>
+                  <a:srgbClr val="808080"/>
                 </a:solidFill>
               </a:rPr>
               <a:t>63-64</a:t>
